--- a/docs/songs/how great is our god.pptx
+++ b/docs/songs/how great is our god.pptx
@@ -310,7 +310,7 @@
             <a:fld id="{26EA1CF3-4A15-4CBF-9A5A-6A56C368BE71}" type="datetimeFigureOut">
               <a:rPr lang="en-GB" smtClean="0"/>
               <a:pPr/>
-              <a:t>03/10/2022</a:t>
+              <a:t>22/02/2023</a:t>
             </a:fld>
             <a:endParaRPr lang="en-GB"/>
           </a:p>
@@ -477,7 +477,7 @@
             <a:fld id="{26EA1CF3-4A15-4CBF-9A5A-6A56C368BE71}" type="datetimeFigureOut">
               <a:rPr lang="en-GB" smtClean="0"/>
               <a:pPr/>
-              <a:t>03/10/2022</a:t>
+              <a:t>22/02/2023</a:t>
             </a:fld>
             <a:endParaRPr lang="en-GB"/>
           </a:p>
@@ -654,7 +654,7 @@
             <a:fld id="{26EA1CF3-4A15-4CBF-9A5A-6A56C368BE71}" type="datetimeFigureOut">
               <a:rPr lang="en-GB" smtClean="0"/>
               <a:pPr/>
-              <a:t>03/10/2022</a:t>
+              <a:t>22/02/2023</a:t>
             </a:fld>
             <a:endParaRPr lang="en-GB"/>
           </a:p>
@@ -821,7 +821,7 @@
             <a:fld id="{26EA1CF3-4A15-4CBF-9A5A-6A56C368BE71}" type="datetimeFigureOut">
               <a:rPr lang="en-GB" smtClean="0"/>
               <a:pPr/>
-              <a:t>03/10/2022</a:t>
+              <a:t>22/02/2023</a:t>
             </a:fld>
             <a:endParaRPr lang="en-GB"/>
           </a:p>
@@ -1064,7 +1064,7 @@
             <a:fld id="{26EA1CF3-4A15-4CBF-9A5A-6A56C368BE71}" type="datetimeFigureOut">
               <a:rPr lang="en-GB" smtClean="0"/>
               <a:pPr/>
-              <a:t>03/10/2022</a:t>
+              <a:t>22/02/2023</a:t>
             </a:fld>
             <a:endParaRPr lang="en-GB"/>
           </a:p>
@@ -1349,7 +1349,7 @@
             <a:fld id="{26EA1CF3-4A15-4CBF-9A5A-6A56C368BE71}" type="datetimeFigureOut">
               <a:rPr lang="en-GB" smtClean="0"/>
               <a:pPr/>
-              <a:t>03/10/2022</a:t>
+              <a:t>22/02/2023</a:t>
             </a:fld>
             <a:endParaRPr lang="en-GB"/>
           </a:p>
@@ -1768,7 +1768,7 @@
             <a:fld id="{26EA1CF3-4A15-4CBF-9A5A-6A56C368BE71}" type="datetimeFigureOut">
               <a:rPr lang="en-GB" smtClean="0"/>
               <a:pPr/>
-              <a:t>03/10/2022</a:t>
+              <a:t>22/02/2023</a:t>
             </a:fld>
             <a:endParaRPr lang="en-GB"/>
           </a:p>
@@ -1883,7 +1883,7 @@
             <a:fld id="{26EA1CF3-4A15-4CBF-9A5A-6A56C368BE71}" type="datetimeFigureOut">
               <a:rPr lang="en-GB" smtClean="0"/>
               <a:pPr/>
-              <a:t>03/10/2022</a:t>
+              <a:t>22/02/2023</a:t>
             </a:fld>
             <a:endParaRPr lang="en-GB"/>
           </a:p>
@@ -1975,7 +1975,7 @@
             <a:fld id="{26EA1CF3-4A15-4CBF-9A5A-6A56C368BE71}" type="datetimeFigureOut">
               <a:rPr lang="en-GB" smtClean="0"/>
               <a:pPr/>
-              <a:t>03/10/2022</a:t>
+              <a:t>22/02/2023</a:t>
             </a:fld>
             <a:endParaRPr lang="en-GB"/>
           </a:p>
@@ -2249,7 +2249,7 @@
             <a:fld id="{26EA1CF3-4A15-4CBF-9A5A-6A56C368BE71}" type="datetimeFigureOut">
               <a:rPr lang="en-GB" smtClean="0"/>
               <a:pPr/>
-              <a:t>03/10/2022</a:t>
+              <a:t>22/02/2023</a:t>
             </a:fld>
             <a:endParaRPr lang="en-GB"/>
           </a:p>
@@ -2499,7 +2499,7 @@
             <a:fld id="{26EA1CF3-4A15-4CBF-9A5A-6A56C368BE71}" type="datetimeFigureOut">
               <a:rPr lang="en-GB" smtClean="0"/>
               <a:pPr/>
-              <a:t>03/10/2022</a:t>
+              <a:t>22/02/2023</a:t>
             </a:fld>
             <a:endParaRPr lang="en-GB"/>
           </a:p>
@@ -2712,7 +2712,7 @@
             <a:fld id="{26EA1CF3-4A15-4CBF-9A5A-6A56C368BE71}" type="datetimeFigureOut">
               <a:rPr lang="en-GB" smtClean="0"/>
               <a:pPr/>
-              <a:t>03/10/2022</a:t>
+              <a:t>22/02/2023</a:t>
             </a:fld>
             <a:endParaRPr lang="en-GB"/>
           </a:p>
@@ -3422,7 +3422,7 @@
                   <a:schemeClr val="bg1"/>
                 </a:solidFill>
               </a:rPr>
-              <a:t>1/6</a:t>
+              <a:t>1/5</a:t>
             </a:r>
           </a:p>
         </p:txBody>
@@ -3558,7 +3558,7 @@
                   <a:schemeClr val="bg1"/>
                 </a:solidFill>
               </a:rPr>
-              <a:t>1/6</a:t>
+              <a:t>2/5</a:t>
             </a:r>
           </a:p>
         </p:txBody>
@@ -3724,7 +3724,7 @@
                   <a:schemeClr val="bg1"/>
                 </a:solidFill>
               </a:rPr>
-              <a:t>1/6</a:t>
+              <a:t>3/5</a:t>
             </a:r>
           </a:p>
         </p:txBody>
@@ -3860,7 +3860,7 @@
                   <a:schemeClr val="bg1"/>
                 </a:solidFill>
               </a:rPr>
-              <a:t>1/6</a:t>
+              <a:t>4/5</a:t>
             </a:r>
           </a:p>
         </p:txBody>
@@ -3991,7 +3991,7 @@
                   <a:schemeClr val="bg1"/>
                 </a:solidFill>
               </a:rPr>
-              <a:t>1/6</a:t>
+              <a:t>5/5</a:t>
             </a:r>
           </a:p>
         </p:txBody>

--- a/docs/songs/how great is our god.pptx
+++ b/docs/songs/how great is our god.pptx
@@ -11,6 +11,7 @@
     <p:sldId id="456" r:id="rId5"/>
     <p:sldId id="457" r:id="rId6"/>
     <p:sldId id="458" r:id="rId7"/>
+    <p:sldId id="1226" r:id="rId8"/>
   </p:sldIdLst>
   <p:sldSz cx="9144000" cy="6858000" type="screen4x3"/>
   <p:notesSz cx="6858000" cy="9144000"/>
@@ -310,7 +311,7 @@
             <a:fld id="{26EA1CF3-4A15-4CBF-9A5A-6A56C368BE71}" type="datetimeFigureOut">
               <a:rPr lang="en-GB" smtClean="0"/>
               <a:pPr/>
-              <a:t>22/02/2023</a:t>
+              <a:t>08/07/2024</a:t>
             </a:fld>
             <a:endParaRPr lang="en-GB"/>
           </a:p>
@@ -477,7 +478,7 @@
             <a:fld id="{26EA1CF3-4A15-4CBF-9A5A-6A56C368BE71}" type="datetimeFigureOut">
               <a:rPr lang="en-GB" smtClean="0"/>
               <a:pPr/>
-              <a:t>22/02/2023</a:t>
+              <a:t>08/07/2024</a:t>
             </a:fld>
             <a:endParaRPr lang="en-GB"/>
           </a:p>
@@ -654,7 +655,7 @@
             <a:fld id="{26EA1CF3-4A15-4CBF-9A5A-6A56C368BE71}" type="datetimeFigureOut">
               <a:rPr lang="en-GB" smtClean="0"/>
               <a:pPr/>
-              <a:t>22/02/2023</a:t>
+              <a:t>08/07/2024</a:t>
             </a:fld>
             <a:endParaRPr lang="en-GB"/>
           </a:p>
@@ -821,7 +822,7 @@
             <a:fld id="{26EA1CF3-4A15-4CBF-9A5A-6A56C368BE71}" type="datetimeFigureOut">
               <a:rPr lang="en-GB" smtClean="0"/>
               <a:pPr/>
-              <a:t>22/02/2023</a:t>
+              <a:t>08/07/2024</a:t>
             </a:fld>
             <a:endParaRPr lang="en-GB"/>
           </a:p>
@@ -1064,7 +1065,7 @@
             <a:fld id="{26EA1CF3-4A15-4CBF-9A5A-6A56C368BE71}" type="datetimeFigureOut">
               <a:rPr lang="en-GB" smtClean="0"/>
               <a:pPr/>
-              <a:t>22/02/2023</a:t>
+              <a:t>08/07/2024</a:t>
             </a:fld>
             <a:endParaRPr lang="en-GB"/>
           </a:p>
@@ -1349,7 +1350,7 @@
             <a:fld id="{26EA1CF3-4A15-4CBF-9A5A-6A56C368BE71}" type="datetimeFigureOut">
               <a:rPr lang="en-GB" smtClean="0"/>
               <a:pPr/>
-              <a:t>22/02/2023</a:t>
+              <a:t>08/07/2024</a:t>
             </a:fld>
             <a:endParaRPr lang="en-GB"/>
           </a:p>
@@ -1768,7 +1769,7 @@
             <a:fld id="{26EA1CF3-4A15-4CBF-9A5A-6A56C368BE71}" type="datetimeFigureOut">
               <a:rPr lang="en-GB" smtClean="0"/>
               <a:pPr/>
-              <a:t>22/02/2023</a:t>
+              <a:t>08/07/2024</a:t>
             </a:fld>
             <a:endParaRPr lang="en-GB"/>
           </a:p>
@@ -1883,7 +1884,7 @@
             <a:fld id="{26EA1CF3-4A15-4CBF-9A5A-6A56C368BE71}" type="datetimeFigureOut">
               <a:rPr lang="en-GB" smtClean="0"/>
               <a:pPr/>
-              <a:t>22/02/2023</a:t>
+              <a:t>08/07/2024</a:t>
             </a:fld>
             <a:endParaRPr lang="en-GB"/>
           </a:p>
@@ -1975,7 +1976,7 @@
             <a:fld id="{26EA1CF3-4A15-4CBF-9A5A-6A56C368BE71}" type="datetimeFigureOut">
               <a:rPr lang="en-GB" smtClean="0"/>
               <a:pPr/>
-              <a:t>22/02/2023</a:t>
+              <a:t>08/07/2024</a:t>
             </a:fld>
             <a:endParaRPr lang="en-GB"/>
           </a:p>
@@ -2249,7 +2250,7 @@
             <a:fld id="{26EA1CF3-4A15-4CBF-9A5A-6A56C368BE71}" type="datetimeFigureOut">
               <a:rPr lang="en-GB" smtClean="0"/>
               <a:pPr/>
-              <a:t>22/02/2023</a:t>
+              <a:t>08/07/2024</a:t>
             </a:fld>
             <a:endParaRPr lang="en-GB"/>
           </a:p>
@@ -2499,7 +2500,7 @@
             <a:fld id="{26EA1CF3-4A15-4CBF-9A5A-6A56C368BE71}" type="datetimeFigureOut">
               <a:rPr lang="en-GB" smtClean="0"/>
               <a:pPr/>
-              <a:t>22/02/2023</a:t>
+              <a:t>08/07/2024</a:t>
             </a:fld>
             <a:endParaRPr lang="en-GB"/>
           </a:p>
@@ -2712,7 +2713,7 @@
             <a:fld id="{26EA1CF3-4A15-4CBF-9A5A-6A56C368BE71}" type="datetimeFigureOut">
               <a:rPr lang="en-GB" smtClean="0"/>
               <a:pPr/>
-              <a:t>22/02/2023</a:t>
+              <a:t>08/07/2024</a:t>
             </a:fld>
             <a:endParaRPr lang="en-GB"/>
           </a:p>
@@ -3303,7 +3304,7 @@
         </p:nvSpPr>
         <p:spPr>
           <a:xfrm>
-            <a:off x="323528" y="188640"/>
+            <a:off x="203118" y="692696"/>
             <a:ext cx="8640960" cy="6480720"/>
           </a:xfrm>
         </p:spPr>
@@ -3314,7 +3315,7 @@
           <a:lstStyle/>
           <a:p>
             <a:r>
-              <a:rPr lang="en-GB" sz="4000" dirty="0">
+              <a:rPr lang="en-GB" sz="3600" dirty="0">
                 <a:solidFill>
                   <a:schemeClr val="bg1"/>
                 </a:solidFill>
@@ -3324,7 +3325,7 @@
           </a:p>
           <a:p>
             <a:r>
-              <a:rPr lang="en-GB" sz="4000" dirty="0">
+              <a:rPr lang="en-GB" sz="3600" dirty="0">
                 <a:solidFill>
                   <a:schemeClr val="bg1"/>
                 </a:solidFill>
@@ -3334,7 +3335,7 @@
           </a:p>
           <a:p>
             <a:r>
-              <a:rPr lang="en-GB" sz="4000" dirty="0">
+              <a:rPr lang="en-GB" sz="3600" dirty="0">
                 <a:solidFill>
                   <a:schemeClr val="bg1"/>
                 </a:solidFill>
@@ -3344,7 +3345,7 @@
           </a:p>
           <a:p>
             <a:r>
-              <a:rPr lang="en-GB" sz="4000" dirty="0">
+              <a:rPr lang="en-GB" sz="3600" dirty="0">
                 <a:solidFill>
                   <a:schemeClr val="bg1"/>
                 </a:solidFill>
@@ -3354,7 +3355,7 @@
           </a:p>
           <a:p>
             <a:r>
-              <a:rPr lang="en-GB" sz="4000" dirty="0">
+              <a:rPr lang="en-GB" sz="3600" dirty="0">
                 <a:solidFill>
                   <a:schemeClr val="bg1"/>
                 </a:solidFill>
@@ -3364,7 +3365,7 @@
           </a:p>
           <a:p>
             <a:r>
-              <a:rPr lang="en-GB" sz="4000" dirty="0">
+              <a:rPr lang="en-GB" sz="3600" dirty="0">
                 <a:solidFill>
                   <a:schemeClr val="bg1"/>
                 </a:solidFill>
@@ -3374,7 +3375,7 @@
           </a:p>
           <a:p>
             <a:r>
-              <a:rPr lang="en-GB" sz="4000" dirty="0">
+              <a:rPr lang="en-GB" sz="3600" dirty="0">
                 <a:solidFill>
                   <a:schemeClr val="bg1"/>
                 </a:solidFill>
@@ -3384,7 +3385,7 @@
           </a:p>
           <a:p>
             <a:r>
-              <a:rPr lang="en-GB" sz="4000" dirty="0">
+              <a:rPr lang="en-GB" sz="3600" dirty="0">
                 <a:solidFill>
                   <a:schemeClr val="bg1"/>
                 </a:solidFill>
@@ -3422,7 +3423,7 @@
                   <a:schemeClr val="bg1"/>
                 </a:solidFill>
               </a:rPr>
-              <a:t>1/5</a:t>
+              <a:t>1/6</a:t>
             </a:r>
           </a:p>
         </p:txBody>
@@ -3469,7 +3470,7 @@
         </p:nvSpPr>
         <p:spPr>
           <a:xfrm>
-            <a:off x="323528" y="188640"/>
+            <a:off x="251520" y="692696"/>
             <a:ext cx="8640960" cy="6480720"/>
           </a:xfrm>
         </p:spPr>
@@ -3558,7 +3559,7 @@
                   <a:schemeClr val="bg1"/>
                 </a:solidFill>
               </a:rPr>
-              <a:t>2/5</a:t>
+              <a:t>2/6</a:t>
             </a:r>
           </a:p>
         </p:txBody>
@@ -3605,7 +3606,7 @@
         </p:nvSpPr>
         <p:spPr>
           <a:xfrm>
-            <a:off x="323528" y="188640"/>
+            <a:off x="251520" y="764704"/>
             <a:ext cx="8640960" cy="6480720"/>
           </a:xfrm>
         </p:spPr>
@@ -3616,7 +3617,7 @@
           <a:lstStyle/>
           <a:p>
             <a:r>
-              <a:rPr lang="en-GB" sz="4000" dirty="0">
+              <a:rPr lang="en-GB" sz="3600" dirty="0">
                 <a:solidFill>
                   <a:schemeClr val="bg1"/>
                 </a:solidFill>
@@ -3626,7 +3627,7 @@
           </a:p>
           <a:p>
             <a:r>
-              <a:rPr lang="en-GB" sz="4000" dirty="0">
+              <a:rPr lang="en-GB" sz="3600" dirty="0">
                 <a:solidFill>
                   <a:schemeClr val="bg1"/>
                 </a:solidFill>
@@ -3636,7 +3637,7 @@
           </a:p>
           <a:p>
             <a:r>
-              <a:rPr lang="en-GB" sz="4000" dirty="0">
+              <a:rPr lang="en-GB" sz="3600" dirty="0">
                 <a:solidFill>
                   <a:schemeClr val="bg1"/>
                 </a:solidFill>
@@ -3646,7 +3647,7 @@
           </a:p>
           <a:p>
             <a:r>
-              <a:rPr lang="en-GB" sz="4000" dirty="0">
+              <a:rPr lang="en-GB" sz="3600" dirty="0">
                 <a:solidFill>
                   <a:schemeClr val="bg1"/>
                 </a:solidFill>
@@ -3656,7 +3657,7 @@
           </a:p>
           <a:p>
             <a:r>
-              <a:rPr lang="en-GB" sz="4000" dirty="0">
+              <a:rPr lang="en-GB" sz="3600" dirty="0">
                 <a:solidFill>
                   <a:schemeClr val="bg1"/>
                 </a:solidFill>
@@ -3666,7 +3667,7 @@
           </a:p>
           <a:p>
             <a:r>
-              <a:rPr lang="en-GB" sz="4000" dirty="0">
+              <a:rPr lang="en-GB" sz="3600" dirty="0">
                 <a:solidFill>
                   <a:schemeClr val="bg1"/>
                 </a:solidFill>
@@ -3676,7 +3677,7 @@
           </a:p>
           <a:p>
             <a:r>
-              <a:rPr lang="en-GB" sz="4000" dirty="0">
+              <a:rPr lang="en-GB" sz="3600" dirty="0">
                 <a:solidFill>
                   <a:schemeClr val="bg1"/>
                 </a:solidFill>
@@ -3686,7 +3687,7 @@
           </a:p>
           <a:p>
             <a:r>
-              <a:rPr lang="en-GB" sz="4000" dirty="0">
+              <a:rPr lang="en-GB" sz="3600" dirty="0">
                 <a:solidFill>
                   <a:schemeClr val="bg1"/>
                 </a:solidFill>
@@ -3724,7 +3725,7 @@
                   <a:schemeClr val="bg1"/>
                 </a:solidFill>
               </a:rPr>
-              <a:t>3/5</a:t>
+              <a:t>3/6</a:t>
             </a:r>
           </a:p>
         </p:txBody>
@@ -3771,7 +3772,7 @@
         </p:nvSpPr>
         <p:spPr>
           <a:xfrm>
-            <a:off x="323528" y="188640"/>
+            <a:off x="395536" y="764704"/>
             <a:ext cx="8640960" cy="6480720"/>
           </a:xfrm>
         </p:spPr>
@@ -3860,7 +3861,7 @@
                   <a:schemeClr val="bg1"/>
                 </a:solidFill>
               </a:rPr>
-              <a:t>4/5</a:t>
+              <a:t>4/6</a:t>
             </a:r>
           </a:p>
         </p:txBody>
@@ -3907,7 +3908,7 @@
         </p:nvSpPr>
         <p:spPr>
           <a:xfrm>
-            <a:off x="323528" y="188640"/>
+            <a:off x="395536" y="692696"/>
             <a:ext cx="8640960" cy="6480720"/>
           </a:xfrm>
         </p:spPr>
@@ -3948,18 +3949,13 @@
           </a:p>
           <a:p>
             <a:r>
-              <a:rPr lang="en-GB" sz="4000">
+              <a:rPr lang="en-GB" sz="4000" dirty="0">
                 <a:solidFill>
                   <a:schemeClr val="bg1"/>
                 </a:solidFill>
               </a:rPr>
               <a:t>How great is our God</a:t>
             </a:r>
-            <a:endParaRPr lang="en-GB" sz="4000" dirty="0">
-              <a:solidFill>
-                <a:schemeClr val="bg1"/>
-              </a:solidFill>
-            </a:endParaRPr>
           </a:p>
         </p:txBody>
       </p:sp>
@@ -3991,7 +3987,7 @@
                   <a:schemeClr val="bg1"/>
                 </a:solidFill>
               </a:rPr>
-              <a:t>5/5</a:t>
+              <a:t>5/6</a:t>
             </a:r>
           </a:p>
         </p:txBody>
@@ -4000,6 +3996,142 @@
     <p:extLst>
       <p:ext uri="{BB962C8B-B14F-4D97-AF65-F5344CB8AC3E}">
         <p14:creationId xmlns:p14="http://schemas.microsoft.com/office/powerpoint/2010/main" val="4219709290"/>
+      </p:ext>
+    </p:extLst>
+  </p:cSld>
+  <p:clrMapOvr>
+    <a:masterClrMapping/>
+  </p:clrMapOvr>
+</p:sld>
+</file>
+
+<file path=ppt/slides/slide7.xml><?xml version="1.0" encoding="utf-8"?>
+<p:sld xmlns:a="http://schemas.openxmlformats.org/drawingml/2006/main" xmlns:r="http://schemas.openxmlformats.org/officeDocument/2006/relationships" xmlns:p="http://schemas.openxmlformats.org/presentationml/2006/main">
+  <p:cSld>
+    <p:spTree>
+      <p:nvGrpSpPr>
+        <p:cNvPr id="1" name=""/>
+        <p:cNvGrpSpPr/>
+        <p:nvPr/>
+      </p:nvGrpSpPr>
+      <p:grpSpPr>
+        <a:xfrm>
+          <a:off x="0" y="0"/>
+          <a:ext cx="0" cy="0"/>
+          <a:chOff x="0" y="0"/>
+          <a:chExt cx="0" cy="0"/>
+        </a:xfrm>
+      </p:grpSpPr>
+      <p:sp>
+        <p:nvSpPr>
+          <p:cNvPr id="3" name="Subtitle 2"/>
+          <p:cNvSpPr>
+            <a:spLocks noGrp="1"/>
+          </p:cNvSpPr>
+          <p:nvPr>
+            <p:ph type="subTitle" idx="1"/>
+          </p:nvPr>
+        </p:nvSpPr>
+        <p:spPr>
+          <a:xfrm>
+            <a:off x="251520" y="692696"/>
+            <a:ext cx="8640960" cy="6480720"/>
+          </a:xfrm>
+        </p:spPr>
+        <p:txBody>
+          <a:bodyPr>
+            <a:noAutofit/>
+          </a:bodyPr>
+          <a:lstStyle/>
+          <a:p>
+            <a:r>
+              <a:rPr lang="en-GB" sz="4000" dirty="0">
+                <a:solidFill>
+                  <a:schemeClr val="bg1"/>
+                </a:solidFill>
+              </a:rPr>
+              <a:t>How great is our God</a:t>
+            </a:r>
+          </a:p>
+          <a:p>
+            <a:r>
+              <a:rPr lang="en-GB" sz="4000" dirty="0">
+                <a:solidFill>
+                  <a:schemeClr val="bg1"/>
+                </a:solidFill>
+              </a:rPr>
+              <a:t>Sing with me</a:t>
+            </a:r>
+          </a:p>
+          <a:p>
+            <a:r>
+              <a:rPr lang="en-GB" sz="4000" dirty="0">
+                <a:solidFill>
+                  <a:schemeClr val="bg1"/>
+                </a:solidFill>
+              </a:rPr>
+              <a:t>How great is our God</a:t>
+            </a:r>
+          </a:p>
+          <a:p>
+            <a:r>
+              <a:rPr lang="en-GB" sz="4000" dirty="0">
+                <a:solidFill>
+                  <a:schemeClr val="bg1"/>
+                </a:solidFill>
+              </a:rPr>
+              <a:t>And all will see how great</a:t>
+            </a:r>
+          </a:p>
+          <a:p>
+            <a:r>
+              <a:rPr lang="en-GB" sz="4000" dirty="0">
+                <a:solidFill>
+                  <a:schemeClr val="bg1"/>
+                </a:solidFill>
+              </a:rPr>
+              <a:t>How great is our God</a:t>
+            </a:r>
+          </a:p>
+        </p:txBody>
+      </p:sp>
+      <p:sp>
+        <p:nvSpPr>
+          <p:cNvPr id="4" name="TextBox 3"/>
+          <p:cNvSpPr txBox="1"/>
+          <p:nvPr/>
+        </p:nvSpPr>
+        <p:spPr>
+          <a:xfrm>
+            <a:off x="8529729" y="0"/>
+            <a:ext cx="628698" cy="461665"/>
+          </a:xfrm>
+          <a:prstGeom prst="rect">
+            <a:avLst/>
+          </a:prstGeom>
+          <a:noFill/>
+        </p:spPr>
+        <p:txBody>
+          <a:bodyPr wrap="none" rtlCol="0">
+            <a:spAutoFit/>
+          </a:bodyPr>
+          <a:lstStyle/>
+          <a:p>
+            <a:r>
+              <a:rPr lang="en-GB" sz="2400" b="1" dirty="0">
+                <a:solidFill>
+                  <a:schemeClr val="bg1"/>
+                </a:solidFill>
+              </a:rPr>
+              <a:t>6/6</a:t>
+            </a:r>
+          </a:p>
+        </p:txBody>
+      </p:sp>
+    </p:spTree>
+    <p:extLst>
+      <p:ext uri="{BB962C8B-B14F-4D97-AF65-F5344CB8AC3E}">
+        <p14:creationId xmlns:p14="http://schemas.microsoft.com/office/powerpoint/2010/main" val="3399166260"/>
       </p:ext>
     </p:extLst>
   </p:cSld>
